--- a/PPT/Como montar una WebAPI en ASP.pptx
+++ b/PPT/Como montar una WebAPI en ASP.pptx
@@ -5,10 +5,10 @@
     <p:sldMasterId id="2147483861" r:id="rId4"/>
   </p:sldMasterIdLst>
   <p:notesMasterIdLst>
-    <p:notesMasterId r:id="rId11"/>
+    <p:notesMasterId r:id="rId14"/>
   </p:notesMasterIdLst>
   <p:handoutMasterIdLst>
-    <p:handoutMasterId r:id="rId12"/>
+    <p:handoutMasterId r:id="rId15"/>
   </p:handoutMasterIdLst>
   <p:sldIdLst>
     <p:sldId id="287" r:id="rId5"/>
@@ -17,6 +17,9 @@
     <p:sldId id="290" r:id="rId8"/>
     <p:sldId id="291" r:id="rId9"/>
     <p:sldId id="292" r:id="rId10"/>
+    <p:sldId id="293" r:id="rId11"/>
+    <p:sldId id="294" r:id="rId12"/>
+    <p:sldId id="295" r:id="rId13"/>
   </p:sldIdLst>
   <p:sldSz cx="13442950" cy="7561263"/>
   <p:notesSz cx="6858000" cy="9144000"/>
@@ -20715,6 +20718,445 @@
     <p:extLst>
       <p:ext uri="{BB962C8B-B14F-4D97-AF65-F5344CB8AC3E}">
         <p14:creationId xmlns:p14="http://schemas.microsoft.com/office/powerpoint/2010/main" val="2246598363"/>
+      </p:ext>
+    </p:extLst>
+  </p:cSld>
+  <p:clrMapOvr>
+    <a:masterClrMapping/>
+  </p:clrMapOvr>
+</p:sld>
+</file>
+
+<file path=ppt/slides/slide7.xml><?xml version="1.0" encoding="utf-8"?>
+<p:sld xmlns:a="http://schemas.openxmlformats.org/drawingml/2006/main" xmlns:r="http://schemas.openxmlformats.org/officeDocument/2006/relationships" xmlns:p="http://schemas.openxmlformats.org/presentationml/2006/main">
+  <p:cSld>
+    <p:spTree>
+      <p:nvGrpSpPr>
+        <p:cNvPr id="1" name=""/>
+        <p:cNvGrpSpPr/>
+        <p:nvPr/>
+      </p:nvGrpSpPr>
+      <p:grpSpPr>
+        <a:xfrm>
+          <a:off x="0" y="0"/>
+          <a:ext cx="0" cy="0"/>
+          <a:chOff x="0" y="0"/>
+          <a:chExt cx="0" cy="0"/>
+        </a:xfrm>
+      </p:grpSpPr>
+      <p:sp>
+        <p:nvSpPr>
+          <p:cNvPr id="3" name="Título 2">
+            <a:extLst>
+              <a:ext uri="{FF2B5EF4-FFF2-40B4-BE49-F238E27FC236}">
+                <a16:creationId xmlns:a16="http://schemas.microsoft.com/office/drawing/2014/main" id="{3E0C4E79-2616-4799-8215-08FA49CF969D}"/>
+              </a:ext>
+            </a:extLst>
+          </p:cNvPr>
+          <p:cNvSpPr>
+            <a:spLocks noGrp="1"/>
+          </p:cNvSpPr>
+          <p:nvPr>
+            <p:ph type="title"/>
+          </p:nvPr>
+        </p:nvSpPr>
+        <p:spPr/>
+        <p:txBody>
+          <a:bodyPr/>
+          <a:lstStyle/>
+          <a:p>
+            <a:r>
+              <a:rPr lang="es-ES" dirty="0"/>
+              <a:t>Donde se nota la mejora</a:t>
+            </a:r>
+          </a:p>
+        </p:txBody>
+      </p:sp>
+      <p:sp>
+        <p:nvSpPr>
+          <p:cNvPr id="4" name="Marcador de número de diapositiva 3">
+            <a:extLst>
+              <a:ext uri="{FF2B5EF4-FFF2-40B4-BE49-F238E27FC236}">
+                <a16:creationId xmlns:a16="http://schemas.microsoft.com/office/drawing/2014/main" id="{088000F8-DE13-4F32-8B5C-F61209A0614C}"/>
+              </a:ext>
+            </a:extLst>
+          </p:cNvPr>
+          <p:cNvSpPr>
+            <a:spLocks noGrp="1"/>
+          </p:cNvSpPr>
+          <p:nvPr>
+            <p:ph type="sldNum" sz="quarter" idx="4"/>
+          </p:nvPr>
+        </p:nvSpPr>
+        <p:spPr/>
+        <p:txBody>
+          <a:bodyPr/>
+          <a:lstStyle/>
+          <a:p>
+            <a:fld id="{C0C6E1E5-C711-49C2-AC1C-A8C0A200779D}" type="slidenum">
+              <a:rPr lang="es-ES" smtClean="0">
+                <a:cs typeface="Segoe UI Light" panose="020B0502040204020203" pitchFamily="34" charset="0"/>
+              </a:rPr>
+              <a:pPr/>
+              <a:t>7</a:t>
+            </a:fld>
+            <a:endParaRPr lang="es-ES" dirty="0">
+              <a:cs typeface="Segoe UI Light" panose="020B0502040204020203" pitchFamily="34" charset="0"/>
+            </a:endParaRPr>
+          </a:p>
+        </p:txBody>
+      </p:sp>
+      <p:pic>
+        <p:nvPicPr>
+          <p:cNvPr id="1026" name="Picture 2" descr="Resultado de imagen de request per second .net core">
+            <a:extLst>
+              <a:ext uri="{FF2B5EF4-FFF2-40B4-BE49-F238E27FC236}">
+                <a16:creationId xmlns:a16="http://schemas.microsoft.com/office/drawing/2014/main" id="{C27F5319-41B7-4B3D-BFE4-EF9BD986A437}"/>
+              </a:ext>
+            </a:extLst>
+          </p:cNvPr>
+          <p:cNvPicPr>
+            <a:picLocks noGrp="1" noChangeAspect="1" noChangeArrowheads="1"/>
+          </p:cNvPicPr>
+          <p:nvPr>
+            <p:ph idx="1"/>
+          </p:nvPr>
+        </p:nvPicPr>
+        <p:blipFill>
+          <a:blip r:embed="rId2">
+            <a:extLst>
+              <a:ext uri="{28A0092B-C50C-407E-A947-70E740481C1C}">
+                <a14:useLocalDpi xmlns:a14="http://schemas.microsoft.com/office/drawing/2010/main" val="0"/>
+              </a:ext>
+            </a:extLst>
+          </a:blip>
+          <a:srcRect/>
+          <a:stretch>
+            <a:fillRect/>
+          </a:stretch>
+        </p:blipFill>
+        <p:spPr bwMode="auto">
+          <a:xfrm>
+            <a:off x="2689027" y="1188343"/>
+            <a:ext cx="7920880" cy="5438421"/>
+          </a:xfrm>
+          <a:prstGeom prst="rect">
+            <a:avLst/>
+          </a:prstGeom>
+          <a:noFill/>
+          <a:extLst>
+            <a:ext uri="{909E8E84-426E-40DD-AFC4-6F175D3DCCD1}">
+              <a14:hiddenFill xmlns:a14="http://schemas.microsoft.com/office/drawing/2010/main">
+                <a:solidFill>
+                  <a:srgbClr val="FFFFFF"/>
+                </a:solidFill>
+              </a14:hiddenFill>
+            </a:ext>
+          </a:extLst>
+        </p:spPr>
+      </p:pic>
+      <p:sp>
+        <p:nvSpPr>
+          <p:cNvPr id="5" name="Rectángulo 4">
+            <a:extLst>
+              <a:ext uri="{FF2B5EF4-FFF2-40B4-BE49-F238E27FC236}">
+                <a16:creationId xmlns:a16="http://schemas.microsoft.com/office/drawing/2014/main" id="{2CC19B3E-EAE7-4272-BB3A-1EFDBF3B68E6}"/>
+              </a:ext>
+            </a:extLst>
+          </p:cNvPr>
+          <p:cNvSpPr/>
+          <p:nvPr/>
+        </p:nvSpPr>
+        <p:spPr>
+          <a:xfrm>
+            <a:off x="569118" y="6897277"/>
+            <a:ext cx="4389343" cy="400110"/>
+          </a:xfrm>
+          <a:prstGeom prst="rect">
+            <a:avLst/>
+          </a:prstGeom>
+        </p:spPr>
+        <p:txBody>
+          <a:bodyPr wrap="none">
+            <a:spAutoFit/>
+          </a:bodyPr>
+          <a:lstStyle/>
+          <a:p>
+            <a:r>
+              <a:rPr lang="es-ES" dirty="0"/>
+              <a:t>https://github.com/aspnet/benchmarks</a:t>
+            </a:r>
+          </a:p>
+        </p:txBody>
+      </p:sp>
+    </p:spTree>
+    <p:extLst>
+      <p:ext uri="{BB962C8B-B14F-4D97-AF65-F5344CB8AC3E}">
+        <p14:creationId xmlns:p14="http://schemas.microsoft.com/office/powerpoint/2010/main" val="2286383275"/>
+      </p:ext>
+    </p:extLst>
+  </p:cSld>
+  <p:clrMapOvr>
+    <a:masterClrMapping/>
+  </p:clrMapOvr>
+</p:sld>
+</file>
+
+<file path=ppt/slides/slide8.xml><?xml version="1.0" encoding="utf-8"?>
+<p:sld xmlns:a="http://schemas.openxmlformats.org/drawingml/2006/main" xmlns:r="http://schemas.openxmlformats.org/officeDocument/2006/relationships" xmlns:p="http://schemas.openxmlformats.org/presentationml/2006/main">
+  <p:cSld>
+    <p:spTree>
+      <p:nvGrpSpPr>
+        <p:cNvPr id="1" name=""/>
+        <p:cNvGrpSpPr/>
+        <p:nvPr/>
+      </p:nvGrpSpPr>
+      <p:grpSpPr>
+        <a:xfrm>
+          <a:off x="0" y="0"/>
+          <a:ext cx="0" cy="0"/>
+          <a:chOff x="0" y="0"/>
+          <a:chExt cx="0" cy="0"/>
+        </a:xfrm>
+      </p:grpSpPr>
+      <p:pic>
+        <p:nvPicPr>
+          <p:cNvPr id="5" name="Marcador de contenido 4">
+            <a:extLst>
+              <a:ext uri="{FF2B5EF4-FFF2-40B4-BE49-F238E27FC236}">
+                <a16:creationId xmlns:a16="http://schemas.microsoft.com/office/drawing/2014/main" id="{86CFA104-C9D7-401B-B0EC-8633182522CF}"/>
+              </a:ext>
+            </a:extLst>
+          </p:cNvPr>
+          <p:cNvPicPr>
+            <a:picLocks noGrp="1" noChangeAspect="1"/>
+          </p:cNvPicPr>
+          <p:nvPr>
+            <p:ph idx="1"/>
+          </p:nvPr>
+        </p:nvPicPr>
+        <p:blipFill>
+          <a:blip r:embed="rId2"/>
+          <a:stretch>
+            <a:fillRect/>
+          </a:stretch>
+        </p:blipFill>
+        <p:spPr>
+          <a:xfrm>
+            <a:off x="1608907" y="1260351"/>
+            <a:ext cx="9073008" cy="5684108"/>
+          </a:xfrm>
+          <a:prstGeom prst="rect">
+            <a:avLst/>
+          </a:prstGeom>
+        </p:spPr>
+      </p:pic>
+      <p:sp>
+        <p:nvSpPr>
+          <p:cNvPr id="3" name="Título 2">
+            <a:extLst>
+              <a:ext uri="{FF2B5EF4-FFF2-40B4-BE49-F238E27FC236}">
+                <a16:creationId xmlns:a16="http://schemas.microsoft.com/office/drawing/2014/main" id="{2576B19C-8248-44C4-81C4-E5BC104FEB2B}"/>
+              </a:ext>
+            </a:extLst>
+          </p:cNvPr>
+          <p:cNvSpPr>
+            <a:spLocks noGrp="1"/>
+          </p:cNvSpPr>
+          <p:nvPr>
+            <p:ph type="title"/>
+          </p:nvPr>
+        </p:nvSpPr>
+        <p:spPr/>
+        <p:txBody>
+          <a:bodyPr/>
+          <a:lstStyle/>
+          <a:p>
+            <a:r>
+              <a:rPr lang="es-ES" dirty="0"/>
+              <a:t>Comparativas .NET Core, </a:t>
+            </a:r>
+            <a:r>
+              <a:rPr lang="es-ES" dirty="0" err="1"/>
+              <a:t>NodeJS</a:t>
+            </a:r>
+            <a:r>
+              <a:rPr lang="es-ES" dirty="0"/>
+              <a:t>, etc..</a:t>
+            </a:r>
+          </a:p>
+        </p:txBody>
+      </p:sp>
+      <p:sp>
+        <p:nvSpPr>
+          <p:cNvPr id="4" name="Marcador de número de diapositiva 3">
+            <a:extLst>
+              <a:ext uri="{FF2B5EF4-FFF2-40B4-BE49-F238E27FC236}">
+                <a16:creationId xmlns:a16="http://schemas.microsoft.com/office/drawing/2014/main" id="{47BB5F3E-6999-45A8-B47A-394946BF105A}"/>
+              </a:ext>
+            </a:extLst>
+          </p:cNvPr>
+          <p:cNvSpPr>
+            <a:spLocks noGrp="1"/>
+          </p:cNvSpPr>
+          <p:nvPr>
+            <p:ph type="sldNum" sz="quarter" idx="4"/>
+          </p:nvPr>
+        </p:nvSpPr>
+        <p:spPr/>
+        <p:txBody>
+          <a:bodyPr/>
+          <a:lstStyle/>
+          <a:p>
+            <a:fld id="{C0C6E1E5-C711-49C2-AC1C-A8C0A200779D}" type="slidenum">
+              <a:rPr lang="es-ES" smtClean="0">
+                <a:cs typeface="Segoe UI Light" panose="020B0502040204020203" pitchFamily="34" charset="0"/>
+              </a:rPr>
+              <a:pPr/>
+              <a:t>8</a:t>
+            </a:fld>
+            <a:endParaRPr lang="es-ES" dirty="0">
+              <a:cs typeface="Segoe UI Light" panose="020B0502040204020203" pitchFamily="34" charset="0"/>
+            </a:endParaRPr>
+          </a:p>
+        </p:txBody>
+      </p:sp>
+    </p:spTree>
+    <p:extLst>
+      <p:ext uri="{BB962C8B-B14F-4D97-AF65-F5344CB8AC3E}">
+        <p14:creationId xmlns:p14="http://schemas.microsoft.com/office/powerpoint/2010/main" val="4267736434"/>
+      </p:ext>
+    </p:extLst>
+  </p:cSld>
+  <p:clrMapOvr>
+    <a:masterClrMapping/>
+  </p:clrMapOvr>
+</p:sld>
+</file>
+
+<file path=ppt/slides/slide9.xml><?xml version="1.0" encoding="utf-8"?>
+<p:sld xmlns:a="http://schemas.openxmlformats.org/drawingml/2006/main" xmlns:r="http://schemas.openxmlformats.org/officeDocument/2006/relationships" xmlns:p="http://schemas.openxmlformats.org/presentationml/2006/main">
+  <p:cSld>
+    <p:spTree>
+      <p:nvGrpSpPr>
+        <p:cNvPr id="1" name=""/>
+        <p:cNvGrpSpPr/>
+        <p:nvPr/>
+      </p:nvGrpSpPr>
+      <p:grpSpPr>
+        <a:xfrm>
+          <a:off x="0" y="0"/>
+          <a:ext cx="0" cy="0"/>
+          <a:chOff x="0" y="0"/>
+          <a:chExt cx="0" cy="0"/>
+        </a:xfrm>
+      </p:grpSpPr>
+      <p:sp>
+        <p:nvSpPr>
+          <p:cNvPr id="5" name="Título 4">
+            <a:extLst>
+              <a:ext uri="{FF2B5EF4-FFF2-40B4-BE49-F238E27FC236}">
+                <a16:creationId xmlns:a16="http://schemas.microsoft.com/office/drawing/2014/main" id="{7D5E5206-0159-43E8-B6B7-10667BF61489}"/>
+              </a:ext>
+            </a:extLst>
+          </p:cNvPr>
+          <p:cNvSpPr>
+            <a:spLocks noGrp="1"/>
+          </p:cNvSpPr>
+          <p:nvPr>
+            <p:ph type="title"/>
+          </p:nvPr>
+        </p:nvSpPr>
+        <p:spPr/>
+        <p:txBody>
+          <a:bodyPr/>
+          <a:lstStyle/>
+          <a:p>
+            <a:r>
+              <a:rPr lang="es-ES"/>
+              <a:t>Manos a la obra </a:t>
+            </a:r>
+            <a:br>
+              <a:rPr lang="es-ES"/>
+            </a:br>
+            <a:br>
+              <a:rPr lang="es-ES"/>
+            </a:br>
+            <a:r>
+              <a:rPr lang="es-ES"/>
+              <a:t>https://github.com/Encamina/APIDays</a:t>
+            </a:r>
+          </a:p>
+        </p:txBody>
+      </p:sp>
+      <p:sp>
+        <p:nvSpPr>
+          <p:cNvPr id="6" name="Marcador de contenido 5">
+            <a:extLst>
+              <a:ext uri="{FF2B5EF4-FFF2-40B4-BE49-F238E27FC236}">
+                <a16:creationId xmlns:a16="http://schemas.microsoft.com/office/drawing/2014/main" id="{BE40EC89-FAD1-40C2-8C07-868E1FA49686}"/>
+              </a:ext>
+            </a:extLst>
+          </p:cNvPr>
+          <p:cNvSpPr>
+            <a:spLocks noGrp="1"/>
+          </p:cNvSpPr>
+          <p:nvPr>
+            <p:ph sz="quarter" idx="11"/>
+          </p:nvPr>
+        </p:nvSpPr>
+        <p:spPr/>
+        <p:txBody>
+          <a:bodyPr/>
+          <a:lstStyle/>
+          <a:p>
+            <a:endParaRPr lang="es-ES"/>
+          </a:p>
+        </p:txBody>
+      </p:sp>
+      <p:sp>
+        <p:nvSpPr>
+          <p:cNvPr id="4" name="Marcador de número de diapositiva 3">
+            <a:extLst>
+              <a:ext uri="{FF2B5EF4-FFF2-40B4-BE49-F238E27FC236}">
+                <a16:creationId xmlns:a16="http://schemas.microsoft.com/office/drawing/2014/main" id="{8A5A3359-56F6-4BAC-9E7F-2F1F4A8D83D3}"/>
+              </a:ext>
+            </a:extLst>
+          </p:cNvPr>
+          <p:cNvSpPr>
+            <a:spLocks noGrp="1"/>
+          </p:cNvSpPr>
+          <p:nvPr>
+            <p:ph type="sldNum" sz="quarter" idx="4294967295"/>
+          </p:nvPr>
+        </p:nvSpPr>
+        <p:spPr>
+          <a:xfrm>
+            <a:off x="0" y="6897688"/>
+            <a:ext cx="661988" cy="468312"/>
+          </a:xfrm>
+        </p:spPr>
+        <p:txBody>
+          <a:bodyPr/>
+          <a:lstStyle/>
+          <a:p>
+            <a:fld id="{C0C6E1E5-C711-49C2-AC1C-A8C0A200779D}" type="slidenum">
+              <a:rPr lang="es-ES" smtClean="0">
+                <a:cs typeface="Segoe UI Light" panose="020B0502040204020203" pitchFamily="34" charset="0"/>
+              </a:rPr>
+              <a:pPr/>
+              <a:t>9</a:t>
+            </a:fld>
+            <a:endParaRPr lang="es-ES" dirty="0">
+              <a:cs typeface="Segoe UI Light" panose="020B0502040204020203" pitchFamily="34" charset="0"/>
+            </a:endParaRPr>
+          </a:p>
+        </p:txBody>
+      </p:sp>
+    </p:spTree>
+    <p:extLst>
+      <p:ext uri="{BB962C8B-B14F-4D97-AF65-F5344CB8AC3E}">
+        <p14:creationId xmlns:p14="http://schemas.microsoft.com/office/powerpoint/2010/main" val="1487126387"/>
       </p:ext>
     </p:extLst>
   </p:cSld>
@@ -21538,6 +21980,21 @@
 </file>
 
 <file path=customXml/item1.xml><?xml version="1.0" encoding="utf-8"?>
+<?mso-contentType ?>
+<FormTemplates xmlns="http://schemas.microsoft.com/sharepoint/v3/contenttype/forms">
+  <Display>DocumentLibraryForm</Display>
+  <Edit>DocumentLibraryForm</Edit>
+  <New>DocumentLibraryForm</New>
+</FormTemplates>
+</file>
+
+<file path=customXml/item2.xml><?xml version="1.0" encoding="utf-8"?>
+<p:properties xmlns:p="http://schemas.microsoft.com/office/2006/metadata/properties" xmlns:xsi="http://www.w3.org/2001/XMLSchema-instance" xmlns:pc="http://schemas.microsoft.com/office/infopath/2007/PartnerControls">
+  <documentManagement/>
+</p:properties>
+</file>
+
+<file path=customXml/item3.xml><?xml version="1.0" encoding="utf-8"?>
 <ct:contentTypeSchema xmlns:ct="http://schemas.microsoft.com/office/2006/metadata/contentType" xmlns:ma="http://schemas.microsoft.com/office/2006/metadata/properties/metaAttributes" ct:_="" ma:_="" ma:contentTypeName="Documento" ma:contentTypeID="0x0101004EE0CF886673FA469809CB134AEE7295" ma:contentTypeVersion="9" ma:contentTypeDescription="Crear nuevo documento." ma:contentTypeScope="" ma:versionID="634bc9bce23b57a9385b29d756ae0c04">
   <xsd:schema xmlns:xsd="http://www.w3.org/2001/XMLSchema" xmlns:xs="http://www.w3.org/2001/XMLSchema" xmlns:p="http://schemas.microsoft.com/office/2006/metadata/properties" xmlns:ns2="3fc376a6-7dd6-488b-97d3-185ba1a312b8" xmlns:ns3="e1478163-bf3c-43ca-9f3f-1606a2a1b2bb" targetNamespace="http://schemas.microsoft.com/office/2006/metadata/properties" ma:root="true" ma:fieldsID="5c88b5c1d50b2dc5a5925ff2671eaedc" ns2:_="" ns3:_="">
     <xsd:import namespace="3fc376a6-7dd6-488b-97d3-185ba1a312b8"/>
@@ -21734,36 +22191,10 @@
 </ct:contentTypeSchema>
 </file>
 
-<file path=customXml/item2.xml><?xml version="1.0" encoding="utf-8"?>
-<p:properties xmlns:p="http://schemas.microsoft.com/office/2006/metadata/properties" xmlns:xsi="http://www.w3.org/2001/XMLSchema-instance" xmlns:pc="http://schemas.microsoft.com/office/infopath/2007/PartnerControls">
-  <documentManagement/>
-</p:properties>
-</file>
-
-<file path=customXml/item3.xml><?xml version="1.0" encoding="utf-8"?>
-<?mso-contentType ?>
-<FormTemplates xmlns="http://schemas.microsoft.com/sharepoint/v3/contenttype/forms">
-  <Display>DocumentLibraryForm</Display>
-  <Edit>DocumentLibraryForm</Edit>
-  <New>DocumentLibraryForm</New>
-</FormTemplates>
-</file>
-
 <file path=customXml/itemProps1.xml><?xml version="1.0" encoding="utf-8"?>
-<ds:datastoreItem xmlns:ds="http://schemas.openxmlformats.org/officeDocument/2006/customXml" ds:itemID="{1801A0D6-1BC1-4244-A0ED-98D7A35279D5}">
+<ds:datastoreItem xmlns:ds="http://schemas.openxmlformats.org/officeDocument/2006/customXml" ds:itemID="{67E17DE3-9FEF-4763-A4CA-466E9F945102}">
   <ds:schemaRefs>
-    <ds:schemaRef ds:uri="http://schemas.microsoft.com/office/2006/metadata/contentType"/>
-    <ds:schemaRef ds:uri="http://schemas.microsoft.com/office/2006/metadata/properties/metaAttributes"/>
-    <ds:schemaRef ds:uri="http://www.w3.org/2001/XMLSchema"/>
-    <ds:schemaRef ds:uri="http://schemas.microsoft.com/office/2006/metadata/properties"/>
-    <ds:schemaRef ds:uri="3fc376a6-7dd6-488b-97d3-185ba1a312b8"/>
-    <ds:schemaRef ds:uri="e1478163-bf3c-43ca-9f3f-1606a2a1b2bb"/>
-    <ds:schemaRef ds:uri="http://schemas.microsoft.com/office/2006/documentManagement/types"/>
-    <ds:schemaRef ds:uri="http://schemas.microsoft.com/office/infopath/2007/PartnerControls"/>
-    <ds:schemaRef ds:uri="http://schemas.openxmlformats.org/package/2006/metadata/core-properties"/>
-    <ds:schemaRef ds:uri="http://purl.org/dc/elements/1.1/"/>
-    <ds:schemaRef ds:uri="http://purl.org/dc/terms/"/>
-    <ds:schemaRef ds:uri="http://schemas.microsoft.com/internal/obd"/>
+    <ds:schemaRef ds:uri="http://schemas.microsoft.com/sharepoint/v3/contenttype/forms"/>
   </ds:schemaRefs>
 </ds:datastoreItem>
 </file>
@@ -21785,9 +22216,20 @@
 </file>
 
 <file path=customXml/itemProps3.xml><?xml version="1.0" encoding="utf-8"?>
-<ds:datastoreItem xmlns:ds="http://schemas.openxmlformats.org/officeDocument/2006/customXml" ds:itemID="{67E17DE3-9FEF-4763-A4CA-466E9F945102}">
+<ds:datastoreItem xmlns:ds="http://schemas.openxmlformats.org/officeDocument/2006/customXml" ds:itemID="{1801A0D6-1BC1-4244-A0ED-98D7A35279D5}">
   <ds:schemaRefs>
-    <ds:schemaRef ds:uri="http://schemas.microsoft.com/sharepoint/v3/contenttype/forms"/>
+    <ds:schemaRef ds:uri="http://schemas.microsoft.com/office/2006/metadata/contentType"/>
+    <ds:schemaRef ds:uri="http://schemas.microsoft.com/office/2006/metadata/properties/metaAttributes"/>
+    <ds:schemaRef ds:uri="http://www.w3.org/2001/XMLSchema"/>
+    <ds:schemaRef ds:uri="http://schemas.microsoft.com/office/2006/metadata/properties"/>
+    <ds:schemaRef ds:uri="3fc376a6-7dd6-488b-97d3-185ba1a312b8"/>
+    <ds:schemaRef ds:uri="e1478163-bf3c-43ca-9f3f-1606a2a1b2bb"/>
+    <ds:schemaRef ds:uri="http://schemas.microsoft.com/office/2006/documentManagement/types"/>
+    <ds:schemaRef ds:uri="http://schemas.microsoft.com/office/infopath/2007/PartnerControls"/>
+    <ds:schemaRef ds:uri="http://schemas.openxmlformats.org/package/2006/metadata/core-properties"/>
+    <ds:schemaRef ds:uri="http://purl.org/dc/elements/1.1/"/>
+    <ds:schemaRef ds:uri="http://purl.org/dc/terms/"/>
+    <ds:schemaRef ds:uri="http://schemas.microsoft.com/internal/obd"/>
   </ds:schemaRefs>
 </ds:datastoreItem>
 </file>